--- a/doc/Gsuite_final.pptx
+++ b/doc/Gsuite_final.pptx
@@ -5,7 +5,7 @@
     <p:sldMasterId id="2147483660" r:id="rId1"/>
   </p:sldMasterIdLst>
   <p:notesMasterIdLst>
-    <p:notesMasterId r:id="rId47"/>
+    <p:notesMasterId r:id="rId46"/>
   </p:notesMasterIdLst>
   <p:sldIdLst>
     <p:sldId id="256" r:id="rId2"/>
@@ -38,21 +38,20 @@
     <p:sldId id="297" r:id="rId29"/>
     <p:sldId id="298" r:id="rId30"/>
     <p:sldId id="299" r:id="rId31"/>
-    <p:sldId id="301" r:id="rId32"/>
-    <p:sldId id="302" r:id="rId33"/>
-    <p:sldId id="304" r:id="rId34"/>
-    <p:sldId id="303" r:id="rId35"/>
-    <p:sldId id="318" r:id="rId36"/>
-    <p:sldId id="306" r:id="rId37"/>
-    <p:sldId id="308" r:id="rId38"/>
-    <p:sldId id="319" r:id="rId39"/>
-    <p:sldId id="320" r:id="rId40"/>
-    <p:sldId id="321" r:id="rId41"/>
-    <p:sldId id="267" r:id="rId42"/>
-    <p:sldId id="268" r:id="rId43"/>
-    <p:sldId id="272" r:id="rId44"/>
-    <p:sldId id="273" r:id="rId45"/>
-    <p:sldId id="275" r:id="rId46"/>
+    <p:sldId id="302" r:id="rId32"/>
+    <p:sldId id="304" r:id="rId33"/>
+    <p:sldId id="303" r:id="rId34"/>
+    <p:sldId id="318" r:id="rId35"/>
+    <p:sldId id="306" r:id="rId36"/>
+    <p:sldId id="308" r:id="rId37"/>
+    <p:sldId id="319" r:id="rId38"/>
+    <p:sldId id="320" r:id="rId39"/>
+    <p:sldId id="321" r:id="rId40"/>
+    <p:sldId id="267" r:id="rId41"/>
+    <p:sldId id="268" r:id="rId42"/>
+    <p:sldId id="272" r:id="rId43"/>
+    <p:sldId id="273" r:id="rId44"/>
+    <p:sldId id="275" r:id="rId45"/>
   </p:sldIdLst>
   <p:sldSz cx="9144000" cy="5143500" type="screen16x9"/>
   <p:notesSz cx="6858000" cy="9144000"/>
@@ -1998,7 +1997,7 @@
                 <a:cs typeface="Calibri"/>
                 <a:sym typeface="Calibri"/>
               </a:rPr>
-              <a:t>37</a:t>
+              <a:t>36</a:t>
             </a:fld>
             <a:endParaRPr lang="en-US" sz="1200" b="0" i="0" u="none" strike="noStrike" cap="none">
               <a:solidFill>
@@ -17018,162 +17017,6 @@
           <p:cNvPr id="2" name="Title 1">
             <a:extLst>
               <a:ext uri="{FF2B5EF4-FFF2-40B4-BE49-F238E27FC236}">
-                <a16:creationId xmlns:a16="http://schemas.microsoft.com/office/drawing/2014/main" id="{F53D0AE5-FF81-4685-9869-F29EC6C05A60}"/>
-              </a:ext>
-            </a:extLst>
-          </p:cNvPr>
-          <p:cNvSpPr>
-            <a:spLocks noGrp="1"/>
-          </p:cNvSpPr>
-          <p:nvPr>
-            <p:ph type="title"/>
-          </p:nvPr>
-        </p:nvSpPr>
-        <p:spPr/>
-        <p:txBody>
-          <a:bodyPr/>
-          <a:lstStyle/>
-          <a:p>
-            <a:pPr algn="ctr"/>
-            <a:r>
-              <a:rPr lang="en-US" dirty="0">
-                <a:solidFill>
-                  <a:schemeClr val="tx1"/>
-                </a:solidFill>
-              </a:rPr>
-              <a:t>Meets Machine Learning</a:t>
-            </a:r>
-            <a:endParaRPr lang="en-US" dirty="0"/>
-          </a:p>
-        </p:txBody>
-      </p:sp>
-      <p:sp>
-        <p:nvSpPr>
-          <p:cNvPr id="3" name="Text Placeholder 2">
-            <a:extLst>
-              <a:ext uri="{FF2B5EF4-FFF2-40B4-BE49-F238E27FC236}">
-                <a16:creationId xmlns:a16="http://schemas.microsoft.com/office/drawing/2014/main" id="{2DF173DA-3BFB-47A2-B02E-5C7247C06394}"/>
-              </a:ext>
-            </a:extLst>
-          </p:cNvPr>
-          <p:cNvSpPr>
-            <a:spLocks noGrp="1"/>
-          </p:cNvSpPr>
-          <p:nvPr>
-            <p:ph type="body" idx="1"/>
-          </p:nvPr>
-        </p:nvSpPr>
-        <p:spPr/>
-        <p:txBody>
-          <a:bodyPr/>
-          <a:lstStyle/>
-          <a:p>
-            <a:pPr marL="635000" indent="-457200"/>
-            <a:endParaRPr lang="en-US" sz="2000" dirty="0"/>
-          </a:p>
-          <a:p>
-            <a:pPr marL="635000" indent="-457200"/>
-            <a:r>
-              <a:rPr lang="en-US" sz="2000" dirty="0"/>
-              <a:t>Attributes predicted:</a:t>
-            </a:r>
-          </a:p>
-          <a:p>
-            <a:pPr lvl="2"/>
-            <a:r>
-              <a:rPr lang="en-US" sz="1800" dirty="0"/>
-              <a:t>30day_active_users </a:t>
-            </a:r>
-          </a:p>
-          <a:p>
-            <a:pPr lvl="2"/>
-            <a:r>
-              <a:rPr lang="en-US" sz="1800" dirty="0"/>
-              <a:t>1day_active_users</a:t>
-            </a:r>
-          </a:p>
-          <a:p>
-            <a:pPr lvl="2"/>
-            <a:r>
-              <a:rPr lang="en-US" sz="1800" dirty="0" err="1"/>
-              <a:t>Google_forms_created</a:t>
-            </a:r>
-            <a:r>
-              <a:rPr lang="en-US" sz="1800" dirty="0"/>
-              <a:t>             </a:t>
-            </a:r>
-          </a:p>
-          <a:p>
-            <a:pPr lvl="2"/>
-            <a:r>
-              <a:rPr lang="en-US" sz="1800" dirty="0" err="1"/>
-              <a:t>Google_forms_edited</a:t>
-            </a:r>
-            <a:endParaRPr lang="en-US" sz="1800" dirty="0"/>
-          </a:p>
-          <a:p>
-            <a:pPr lvl="2"/>
-            <a:r>
-              <a:rPr lang="en-US" sz="1800" dirty="0" err="1"/>
-              <a:t>Google_documents_created</a:t>
-            </a:r>
-            <a:endParaRPr lang="en-US" sz="1800" dirty="0"/>
-          </a:p>
-          <a:p>
-            <a:pPr lvl="2"/>
-            <a:r>
-              <a:rPr lang="en-US" sz="1800" dirty="0" err="1"/>
-              <a:t>Google_documents_edited</a:t>
-            </a:r>
-            <a:endParaRPr lang="en-US" sz="1800" dirty="0"/>
-          </a:p>
-          <a:p>
-            <a:pPr marL="1092200" lvl="1" indent="-457200"/>
-            <a:endParaRPr lang="en-US" sz="1800" dirty="0"/>
-          </a:p>
-          <a:p>
-            <a:pPr marL="50800" indent="0">
-              <a:buNone/>
-            </a:pPr>
-            <a:endParaRPr lang="en-US" sz="1400" dirty="0"/>
-          </a:p>
-        </p:txBody>
-      </p:sp>
-    </p:spTree>
-    <p:extLst>
-      <p:ext uri="{BB962C8B-B14F-4D97-AF65-F5344CB8AC3E}">
-        <p14:creationId xmlns:p14="http://schemas.microsoft.com/office/powerpoint/2010/main" val="2079908585"/>
-      </p:ext>
-    </p:extLst>
-  </p:cSld>
-  <p:clrMapOvr>
-    <a:masterClrMapping/>
-  </p:clrMapOvr>
-</p:sld>
-</file>
-
-<file path=ppt/slides/slide32.xml><?xml version="1.0" encoding="utf-8"?>
-<p:sld xmlns:a="http://schemas.openxmlformats.org/drawingml/2006/main" xmlns:r="http://schemas.openxmlformats.org/officeDocument/2006/relationships" xmlns:p="http://schemas.openxmlformats.org/presentationml/2006/main">
-  <p:cSld>
-    <p:spTree>
-      <p:nvGrpSpPr>
-        <p:cNvPr id="1" name=""/>
-        <p:cNvGrpSpPr/>
-        <p:nvPr/>
-      </p:nvGrpSpPr>
-      <p:grpSpPr>
-        <a:xfrm>
-          <a:off x="0" y="0"/>
-          <a:ext cx="0" cy="0"/>
-          <a:chOff x="0" y="0"/>
-          <a:chExt cx="0" cy="0"/>
-        </a:xfrm>
-      </p:grpSpPr>
-      <p:sp>
-        <p:nvSpPr>
-          <p:cNvPr id="2" name="Title 1">
-            <a:extLst>
-              <a:ext uri="{FF2B5EF4-FFF2-40B4-BE49-F238E27FC236}">
                 <a16:creationId xmlns:a16="http://schemas.microsoft.com/office/drawing/2014/main" id="{18103AE5-E114-4422-8738-9490D461C21B}"/>
               </a:ext>
             </a:extLst>
@@ -17327,7 +17170,7 @@
 </p:sld>
 </file>
 
-<file path=ppt/slides/slide33.xml><?xml version="1.0" encoding="utf-8"?>
+<file path=ppt/slides/slide32.xml><?xml version="1.0" encoding="utf-8"?>
 <p:sld xmlns:a="http://schemas.openxmlformats.org/drawingml/2006/main" xmlns:r="http://schemas.openxmlformats.org/officeDocument/2006/relationships" xmlns:p="http://schemas.openxmlformats.org/presentationml/2006/main">
   <p:cSld>
     <p:spTree>
@@ -17447,7 +17290,7 @@
 </p:sld>
 </file>
 
-<file path=ppt/slides/slide34.xml><?xml version="1.0" encoding="utf-8"?>
+<file path=ppt/slides/slide33.xml><?xml version="1.0" encoding="utf-8"?>
 <p:sld xmlns:a="http://schemas.openxmlformats.org/drawingml/2006/main" xmlns:r="http://schemas.openxmlformats.org/officeDocument/2006/relationships" xmlns:p="http://schemas.openxmlformats.org/presentationml/2006/main">
   <p:cSld>
     <p:spTree>
@@ -17592,7 +17435,7 @@
 </p:sld>
 </file>
 
-<file path=ppt/slides/slide35.xml><?xml version="1.0" encoding="utf-8"?>
+<file path=ppt/slides/slide34.xml><?xml version="1.0" encoding="utf-8"?>
 <p:sld xmlns:a="http://schemas.openxmlformats.org/drawingml/2006/main" xmlns:r="http://schemas.openxmlformats.org/officeDocument/2006/relationships" xmlns:p="http://schemas.openxmlformats.org/presentationml/2006/main">
   <p:cSld>
     <p:spTree>
@@ -17787,7 +17630,7 @@
 </p:sld>
 </file>
 
-<file path=ppt/slides/slide36.xml><?xml version="1.0" encoding="utf-8"?>
+<file path=ppt/slides/slide35.xml><?xml version="1.0" encoding="utf-8"?>
 <p:sld xmlns:a="http://schemas.openxmlformats.org/drawingml/2006/main" xmlns:r="http://schemas.openxmlformats.org/officeDocument/2006/relationships" xmlns:p="http://schemas.openxmlformats.org/presentationml/2006/main">
   <p:cSld>
     <p:spTree>
@@ -17984,7 +17827,7 @@
 </p:sld>
 </file>
 
-<file path=ppt/slides/slide37.xml><?xml version="1.0" encoding="utf-8"?>
+<file path=ppt/slides/slide36.xml><?xml version="1.0" encoding="utf-8"?>
 <p:sld xmlns:a="http://schemas.openxmlformats.org/drawingml/2006/main" xmlns:r="http://schemas.openxmlformats.org/officeDocument/2006/relationships" xmlns:p="http://schemas.openxmlformats.org/presentationml/2006/main">
   <p:cSld>
     <p:spTree>
@@ -18129,7 +17972,7 @@
 </p:sld>
 </file>
 
-<file path=ppt/slides/slide38.xml><?xml version="1.0" encoding="utf-8"?>
+<file path=ppt/slides/slide37.xml><?xml version="1.0" encoding="utf-8"?>
 <p:sld xmlns:a="http://schemas.openxmlformats.org/drawingml/2006/main" xmlns:r="http://schemas.openxmlformats.org/officeDocument/2006/relationships" xmlns:p="http://schemas.openxmlformats.org/presentationml/2006/main">
   <p:cSld>
     <p:spTree>
@@ -18351,6 +18194,134 @@
 </p:sld>
 </file>
 
+<file path=ppt/slides/slide38.xml><?xml version="1.0" encoding="utf-8"?>
+<p:sld xmlns:a="http://schemas.openxmlformats.org/drawingml/2006/main" xmlns:r="http://schemas.openxmlformats.org/officeDocument/2006/relationships" xmlns:p="http://schemas.openxmlformats.org/presentationml/2006/main">
+  <p:cSld>
+    <p:spTree>
+      <p:nvGrpSpPr>
+        <p:cNvPr id="1" name=""/>
+        <p:cNvGrpSpPr/>
+        <p:nvPr/>
+      </p:nvGrpSpPr>
+      <p:grpSpPr>
+        <a:xfrm>
+          <a:off x="0" y="0"/>
+          <a:ext cx="0" cy="0"/>
+          <a:chOff x="0" y="0"/>
+          <a:chExt cx="0" cy="0"/>
+        </a:xfrm>
+      </p:grpSpPr>
+      <p:sp>
+        <p:nvSpPr>
+          <p:cNvPr id="2" name="Title 1">
+            <a:extLst>
+              <a:ext uri="{FF2B5EF4-FFF2-40B4-BE49-F238E27FC236}">
+                <a16:creationId xmlns:a16="http://schemas.microsoft.com/office/drawing/2014/main" id="{F53D0AE5-FF81-4685-9869-F29EC6C05A60}"/>
+              </a:ext>
+            </a:extLst>
+          </p:cNvPr>
+          <p:cNvSpPr>
+            <a:spLocks noGrp="1"/>
+          </p:cNvSpPr>
+          <p:nvPr>
+            <p:ph type="title"/>
+          </p:nvPr>
+        </p:nvSpPr>
+        <p:spPr/>
+        <p:txBody>
+          <a:bodyPr/>
+          <a:lstStyle/>
+          <a:p>
+            <a:pPr algn="ctr"/>
+            <a:r>
+              <a:rPr lang="en-US" sz="4400" dirty="0">
+                <a:solidFill>
+                  <a:schemeClr val="tx1"/>
+                </a:solidFill>
+              </a:rPr>
+              <a:t> Machine Learning Implications</a:t>
+            </a:r>
+            <a:endParaRPr lang="en-US" sz="4400" dirty="0"/>
+          </a:p>
+        </p:txBody>
+      </p:sp>
+      <p:sp>
+        <p:nvSpPr>
+          <p:cNvPr id="3" name="Text Placeholder 2">
+            <a:extLst>
+              <a:ext uri="{FF2B5EF4-FFF2-40B4-BE49-F238E27FC236}">
+                <a16:creationId xmlns:a16="http://schemas.microsoft.com/office/drawing/2014/main" id="{2DF173DA-3BFB-47A2-B02E-5C7247C06394}"/>
+              </a:ext>
+            </a:extLst>
+          </p:cNvPr>
+          <p:cNvSpPr>
+            <a:spLocks noGrp="1"/>
+          </p:cNvSpPr>
+          <p:nvPr>
+            <p:ph type="body" idx="1"/>
+          </p:nvPr>
+        </p:nvSpPr>
+        <p:spPr/>
+        <p:txBody>
+          <a:bodyPr/>
+          <a:lstStyle/>
+          <a:p>
+            <a:endParaRPr lang="en-US" sz="1800" b="1" u="sng" dirty="0"/>
+          </a:p>
+          <a:p>
+            <a:r>
+              <a:rPr lang="en-US" sz="1800" b="1" u="sng" dirty="0"/>
+              <a:t>Implications</a:t>
+            </a:r>
+            <a:r>
+              <a:rPr lang="en-US" sz="1400" dirty="0"/>
+              <a:t>:</a:t>
+            </a:r>
+          </a:p>
+          <a:p>
+            <a:pPr lvl="1"/>
+            <a:r>
+              <a:rPr lang="en-US" sz="1600" dirty="0"/>
+              <a:t>The decent predictions will give the ITS department a firm understanding what is happening with G-Suite data throughout the year and allow the ITS department to prepare in advance to seasonal and overall trends</a:t>
+            </a:r>
+            <a:r>
+              <a:rPr lang="en-US" sz="1400" dirty="0"/>
+              <a:t>.</a:t>
+            </a:r>
+          </a:p>
+          <a:p>
+            <a:pPr lvl="1"/>
+            <a:r>
+              <a:rPr lang="en-US" sz="1600" dirty="0"/>
+              <a:t>The trends that are seen the current data are also seen in the future data like increase in usage in the semester end and almost no activity during semester breaks.</a:t>
+            </a:r>
+          </a:p>
+          <a:p>
+            <a:pPr lvl="1"/>
+            <a:r>
+              <a:rPr lang="en-US" sz="1600" dirty="0"/>
+              <a:t>Allows ITS Department to understand how much data will be consumed by its users.</a:t>
+            </a:r>
+          </a:p>
+          <a:p>
+            <a:pPr lvl="1"/>
+            <a:endParaRPr lang="en-US" sz="1400" dirty="0"/>
+          </a:p>
+        </p:txBody>
+      </p:sp>
+    </p:spTree>
+    <p:extLst>
+      <p:ext uri="{BB962C8B-B14F-4D97-AF65-F5344CB8AC3E}">
+        <p14:creationId xmlns:p14="http://schemas.microsoft.com/office/powerpoint/2010/main" val="3020515480"/>
+      </p:ext>
+    </p:extLst>
+  </p:cSld>
+  <p:clrMapOvr>
+    <a:masterClrMapping/>
+  </p:clrMapOvr>
+</p:sld>
+</file>
+
 <file path=ppt/slides/slide39.xml><?xml version="1.0" encoding="utf-8"?>
 <p:sld xmlns:a="http://schemas.openxmlformats.org/drawingml/2006/main" xmlns:r="http://schemas.openxmlformats.org/officeDocument/2006/relationships" xmlns:p="http://schemas.openxmlformats.org/presentationml/2006/main">
   <p:cSld>
@@ -18396,7 +18367,7 @@
                   <a:schemeClr val="tx1"/>
                 </a:solidFill>
               </a:rPr>
-              <a:t> Machine Learning Implications</a:t>
+              <a:t> RESULTS</a:t>
             </a:r>
             <a:endParaRPr lang="en-US" sz="4400" dirty="0"/>
           </a:p>
@@ -18426,42 +18397,34 @@
             <a:endParaRPr lang="en-US" sz="1800" b="1" u="sng" dirty="0"/>
           </a:p>
           <a:p>
-            <a:r>
-              <a:rPr lang="en-US" sz="1800" b="1" u="sng" dirty="0"/>
-              <a:t>Implications</a:t>
-            </a:r>
-            <a:r>
-              <a:rPr lang="en-US" sz="1400" dirty="0"/>
-              <a:t>:</a:t>
-            </a:r>
-          </a:p>
-          <a:p>
-            <a:pPr lvl="1"/>
-            <a:r>
-              <a:rPr lang="en-US" sz="1600" dirty="0"/>
-              <a:t>The decent predictions will give the ITS department a firm understanding what is happening with G-Suite data throughout the year and allow the ITS department to prepare in advance to seasonal and overall trends</a:t>
-            </a:r>
-            <a:r>
-              <a:rPr lang="en-US" sz="1400" dirty="0"/>
-              <a:t>.</a:t>
-            </a:r>
-          </a:p>
-          <a:p>
-            <a:pPr lvl="1"/>
-            <a:r>
-              <a:rPr lang="en-US" sz="1600" dirty="0"/>
-              <a:t>The trends that are seen the current data are also seen in the future data like increase in usage in the semester end and almost no activity during semester breaks.</a:t>
-            </a:r>
-          </a:p>
-          <a:p>
-            <a:pPr lvl="1"/>
-            <a:r>
-              <a:rPr lang="en-US" sz="1600" dirty="0"/>
-              <a:t>Allows ITS Department to understand how much data will be consumed by its users.</a:t>
-            </a:r>
-          </a:p>
-          <a:p>
-            <a:pPr lvl="1"/>
+            <a:pPr marL="50800" indent="0" algn="ctr">
+              <a:buNone/>
+            </a:pPr>
+            <a:endParaRPr lang="en-US" sz="1800" dirty="0"/>
+          </a:p>
+          <a:p>
+            <a:pPr marL="50800" indent="0" algn="ctr">
+              <a:buNone/>
+            </a:pPr>
+            <a:endParaRPr lang="en-US" sz="1800" dirty="0"/>
+          </a:p>
+          <a:p>
+            <a:pPr marL="50800" indent="0" algn="ctr">
+              <a:buNone/>
+            </a:pPr>
+            <a:r>
+              <a:rPr lang="en-US" sz="4400" dirty="0"/>
+              <a:t>Dashboard</a:t>
+            </a:r>
+            <a:r>
+              <a:rPr lang="en-US" sz="1800" dirty="0"/>
+              <a:t> </a:t>
+            </a:r>
+          </a:p>
+          <a:p>
+            <a:pPr marL="508000" lvl="1" indent="0">
+              <a:buNone/>
+            </a:pPr>
             <a:endParaRPr lang="en-US" sz="1400" dirty="0"/>
           </a:p>
         </p:txBody>
@@ -18469,7 +18432,7 @@
     </p:spTree>
     <p:extLst>
       <p:ext uri="{BB962C8B-B14F-4D97-AF65-F5344CB8AC3E}">
-        <p14:creationId xmlns:p14="http://schemas.microsoft.com/office/powerpoint/2010/main" val="3020515480"/>
+        <p14:creationId xmlns:p14="http://schemas.microsoft.com/office/powerpoint/2010/main" val="3645021238"/>
       </p:ext>
     </p:extLst>
   </p:cSld>
@@ -18617,126 +18580,6 @@
 </file>
 
 <file path=ppt/slides/slide40.xml><?xml version="1.0" encoding="utf-8"?>
-<p:sld xmlns:a="http://schemas.openxmlformats.org/drawingml/2006/main" xmlns:r="http://schemas.openxmlformats.org/officeDocument/2006/relationships" xmlns:p="http://schemas.openxmlformats.org/presentationml/2006/main">
-  <p:cSld>
-    <p:spTree>
-      <p:nvGrpSpPr>
-        <p:cNvPr id="1" name=""/>
-        <p:cNvGrpSpPr/>
-        <p:nvPr/>
-      </p:nvGrpSpPr>
-      <p:grpSpPr>
-        <a:xfrm>
-          <a:off x="0" y="0"/>
-          <a:ext cx="0" cy="0"/>
-          <a:chOff x="0" y="0"/>
-          <a:chExt cx="0" cy="0"/>
-        </a:xfrm>
-      </p:grpSpPr>
-      <p:sp>
-        <p:nvSpPr>
-          <p:cNvPr id="2" name="Title 1">
-            <a:extLst>
-              <a:ext uri="{FF2B5EF4-FFF2-40B4-BE49-F238E27FC236}">
-                <a16:creationId xmlns:a16="http://schemas.microsoft.com/office/drawing/2014/main" id="{F53D0AE5-FF81-4685-9869-F29EC6C05A60}"/>
-              </a:ext>
-            </a:extLst>
-          </p:cNvPr>
-          <p:cNvSpPr>
-            <a:spLocks noGrp="1"/>
-          </p:cNvSpPr>
-          <p:nvPr>
-            <p:ph type="title"/>
-          </p:nvPr>
-        </p:nvSpPr>
-        <p:spPr/>
-        <p:txBody>
-          <a:bodyPr/>
-          <a:lstStyle/>
-          <a:p>
-            <a:pPr algn="ctr"/>
-            <a:r>
-              <a:rPr lang="en-US" sz="4400" dirty="0">
-                <a:solidFill>
-                  <a:schemeClr val="tx1"/>
-                </a:solidFill>
-              </a:rPr>
-              <a:t> RESULTS</a:t>
-            </a:r>
-            <a:endParaRPr lang="en-US" sz="4400" dirty="0"/>
-          </a:p>
-        </p:txBody>
-      </p:sp>
-      <p:sp>
-        <p:nvSpPr>
-          <p:cNvPr id="3" name="Text Placeholder 2">
-            <a:extLst>
-              <a:ext uri="{FF2B5EF4-FFF2-40B4-BE49-F238E27FC236}">
-                <a16:creationId xmlns:a16="http://schemas.microsoft.com/office/drawing/2014/main" id="{2DF173DA-3BFB-47A2-B02E-5C7247C06394}"/>
-              </a:ext>
-            </a:extLst>
-          </p:cNvPr>
-          <p:cNvSpPr>
-            <a:spLocks noGrp="1"/>
-          </p:cNvSpPr>
-          <p:nvPr>
-            <p:ph type="body" idx="1"/>
-          </p:nvPr>
-        </p:nvSpPr>
-        <p:spPr/>
-        <p:txBody>
-          <a:bodyPr/>
-          <a:lstStyle/>
-          <a:p>
-            <a:endParaRPr lang="en-US" sz="1800" b="1" u="sng" dirty="0"/>
-          </a:p>
-          <a:p>
-            <a:pPr marL="50800" indent="0" algn="ctr">
-              <a:buNone/>
-            </a:pPr>
-            <a:endParaRPr lang="en-US" sz="1800" dirty="0"/>
-          </a:p>
-          <a:p>
-            <a:pPr marL="50800" indent="0" algn="ctr">
-              <a:buNone/>
-            </a:pPr>
-            <a:endParaRPr lang="en-US" sz="1800" dirty="0"/>
-          </a:p>
-          <a:p>
-            <a:pPr marL="50800" indent="0" algn="ctr">
-              <a:buNone/>
-            </a:pPr>
-            <a:r>
-              <a:rPr lang="en-US" sz="4400" dirty="0"/>
-              <a:t>Dashboard</a:t>
-            </a:r>
-            <a:r>
-              <a:rPr lang="en-US" sz="1800" dirty="0"/>
-              <a:t> </a:t>
-            </a:r>
-          </a:p>
-          <a:p>
-            <a:pPr marL="508000" lvl="1" indent="0">
-              <a:buNone/>
-            </a:pPr>
-            <a:endParaRPr lang="en-US" sz="1400" dirty="0"/>
-          </a:p>
-        </p:txBody>
-      </p:sp>
-    </p:spTree>
-    <p:extLst>
-      <p:ext uri="{BB962C8B-B14F-4D97-AF65-F5344CB8AC3E}">
-        <p14:creationId xmlns:p14="http://schemas.microsoft.com/office/powerpoint/2010/main" val="3645021238"/>
-      </p:ext>
-    </p:extLst>
-  </p:cSld>
-  <p:clrMapOvr>
-    <a:masterClrMapping/>
-  </p:clrMapOvr>
-</p:sld>
-</file>
-
-<file path=ppt/slides/slide41.xml><?xml version="1.0" encoding="utf-8"?>
 <p:sld xmlns:a="http://schemas.openxmlformats.org/drawingml/2006/main" xmlns:r="http://schemas.openxmlformats.org/officeDocument/2006/relationships" xmlns:p="http://schemas.openxmlformats.org/presentationml/2006/main">
   <p:cSld>
     <p:spTree>
@@ -18923,7 +18766,7 @@
 </p:sld>
 </file>
 
-<file path=ppt/slides/slide42.xml><?xml version="1.0" encoding="utf-8"?>
+<file path=ppt/slides/slide41.xml><?xml version="1.0" encoding="utf-8"?>
 <p:sld xmlns:a="http://schemas.openxmlformats.org/drawingml/2006/main" xmlns:r="http://schemas.openxmlformats.org/officeDocument/2006/relationships" xmlns:p="http://schemas.openxmlformats.org/presentationml/2006/main">
   <p:cSld>
     <p:spTree>
@@ -19097,7 +18940,7 @@
 </p:sld>
 </file>
 
-<file path=ppt/slides/slide43.xml><?xml version="1.0" encoding="utf-8"?>
+<file path=ppt/slides/slide42.xml><?xml version="1.0" encoding="utf-8"?>
 <p:sld xmlns:a="http://schemas.openxmlformats.org/drawingml/2006/main" xmlns:r="http://schemas.openxmlformats.org/officeDocument/2006/relationships" xmlns:p="http://schemas.openxmlformats.org/presentationml/2006/main">
   <p:cSld>
     <p:spTree>
@@ -19219,7 +19062,7 @@
 </p:sld>
 </file>
 
-<file path=ppt/slides/slide44.xml><?xml version="1.0" encoding="utf-8"?>
+<file path=ppt/slides/slide43.xml><?xml version="1.0" encoding="utf-8"?>
 <p:sld xmlns:a="http://schemas.openxmlformats.org/drawingml/2006/main" xmlns:r="http://schemas.openxmlformats.org/officeDocument/2006/relationships" xmlns:p="http://schemas.openxmlformats.org/presentationml/2006/main">
   <p:cSld>
     <p:spTree>
@@ -19283,7 +19126,7 @@
 </p:sld>
 </file>
 
-<file path=ppt/slides/slide45.xml><?xml version="1.0" encoding="utf-8"?>
+<file path=ppt/slides/slide44.xml><?xml version="1.0" encoding="utf-8"?>
 <p:sld xmlns:a="http://schemas.openxmlformats.org/drawingml/2006/main" xmlns:r="http://schemas.openxmlformats.org/officeDocument/2006/relationships" xmlns:p="http://schemas.openxmlformats.org/presentationml/2006/main">
   <p:cSld>
     <p:spTree>

--- a/doc/Gsuite_final.pptx
+++ b/doc/Gsuite_final.pptx
@@ -16849,7 +16849,15 @@
             </a:pPr>
             <a:r>
               <a:rPr lang="en-US" sz="2400" dirty="0"/>
-              <a:t>-	Dynamic Dash board development Data Visualization using Google data studio.</a:t>
+              <a:t>-	Dynamic Dash </a:t>
+            </a:r>
+            <a:r>
+              <a:rPr lang="en-US" sz="2400"/>
+              <a:t>board development for </a:t>
+            </a:r>
+            <a:r>
+              <a:rPr lang="en-US" sz="2400" dirty="0"/>
+              <a:t>Data Visualization using Google data studio.</a:t>
             </a:r>
           </a:p>
         </p:txBody>
